--- a/3DGP2/PPT/DirectX 12-2(Chap 06)-Shader Samples 02(Blurring) 그림.pptx
+++ b/3DGP2/PPT/DirectX 12-2(Chap 06)-Shader Samples 02(Blurring) 그림.pptx
@@ -4,6 +4,9 @@
   <p:sldMasterIdLst>
     <p:sldMasterId id="2147483648" r:id="rId1"/>
   </p:sldMasterIdLst>
+  <p:notesMasterIdLst>
+    <p:notesMasterId r:id="rId13"/>
+  </p:notesMasterIdLst>
   <p:sldIdLst>
     <p:sldId id="256" r:id="rId2"/>
     <p:sldId id="257" r:id="rId3"/>
@@ -117,6 +120,827 @@
 </p:presentation>
 </file>
 
+<file path=ppt/notesMasters/notesMaster1.xml><?xml version="1.0" encoding="utf-8"?>
+<p:notesMaster xmlns:a="http://schemas.openxmlformats.org/drawingml/2006/main" xmlns:r="http://schemas.openxmlformats.org/officeDocument/2006/relationships" xmlns:p="http://schemas.openxmlformats.org/presentationml/2006/main">
+  <p:cSld>
+    <p:bg>
+      <p:bgRef idx="1001">
+        <a:schemeClr val="bg1"/>
+      </p:bgRef>
+    </p:bg>
+    <p:spTree>
+      <p:nvGrpSpPr>
+        <p:cNvPr id="1" name=""/>
+        <p:cNvGrpSpPr/>
+        <p:nvPr/>
+      </p:nvGrpSpPr>
+      <p:grpSpPr>
+        <a:xfrm>
+          <a:off x="0" y="0"/>
+          <a:ext cx="0" cy="0"/>
+          <a:chOff x="0" y="0"/>
+          <a:chExt cx="0" cy="0"/>
+        </a:xfrm>
+      </p:grpSpPr>
+      <p:sp>
+        <p:nvSpPr>
+          <p:cNvPr id="2" name="머리글 개체 틀 1"/>
+          <p:cNvSpPr>
+            <a:spLocks noGrp="1"/>
+          </p:cNvSpPr>
+          <p:nvPr>
+            <p:ph type="hdr" sz="quarter"/>
+          </p:nvPr>
+        </p:nvSpPr>
+        <p:spPr>
+          <a:xfrm>
+            <a:off x="0" y="0"/>
+            <a:ext cx="2971800" cy="458788"/>
+          </a:xfrm>
+          <a:prstGeom prst="rect">
+            <a:avLst/>
+          </a:prstGeom>
+        </p:spPr>
+        <p:txBody>
+          <a:bodyPr vert="horz" lIns="91440" tIns="45720" rIns="91440" bIns="45720" rtlCol="0"/>
+          <a:lstStyle>
+            <a:lvl1pPr algn="l">
+              <a:defRPr sz="1200"/>
+            </a:lvl1pPr>
+          </a:lstStyle>
+          <a:p>
+            <a:endParaRPr lang="ko-KR" altLang="en-US"/>
+          </a:p>
+        </p:txBody>
+      </p:sp>
+      <p:sp>
+        <p:nvSpPr>
+          <p:cNvPr id="3" name="날짜 개체 틀 2"/>
+          <p:cNvSpPr>
+            <a:spLocks noGrp="1"/>
+          </p:cNvSpPr>
+          <p:nvPr>
+            <p:ph type="dt" idx="1"/>
+          </p:nvPr>
+        </p:nvSpPr>
+        <p:spPr>
+          <a:xfrm>
+            <a:off x="3884613" y="0"/>
+            <a:ext cx="2971800" cy="458788"/>
+          </a:xfrm>
+          <a:prstGeom prst="rect">
+            <a:avLst/>
+          </a:prstGeom>
+        </p:spPr>
+        <p:txBody>
+          <a:bodyPr vert="horz" lIns="91440" tIns="45720" rIns="91440" bIns="45720" rtlCol="0"/>
+          <a:lstStyle>
+            <a:lvl1pPr algn="r">
+              <a:defRPr sz="1200"/>
+            </a:lvl1pPr>
+          </a:lstStyle>
+          <a:p>
+            <a:fld id="{D108CBCE-AA95-4CE1-84AD-762A980094D3}" type="datetimeFigureOut">
+              <a:rPr lang="ko-KR" altLang="en-US" smtClean="0"/>
+              <a:t>2024-11-19</a:t>
+            </a:fld>
+            <a:endParaRPr lang="ko-KR" altLang="en-US"/>
+          </a:p>
+        </p:txBody>
+      </p:sp>
+      <p:sp>
+        <p:nvSpPr>
+          <p:cNvPr id="4" name="슬라이드 이미지 개체 틀 3"/>
+          <p:cNvSpPr>
+            <a:spLocks noGrp="1" noRot="1" noChangeAspect="1"/>
+          </p:cNvSpPr>
+          <p:nvPr>
+            <p:ph type="sldImg" idx="2"/>
+          </p:nvPr>
+        </p:nvSpPr>
+        <p:spPr>
+          <a:xfrm>
+            <a:off x="1371600" y="1143000"/>
+            <a:ext cx="4114800" cy="3086100"/>
+          </a:xfrm>
+          <a:prstGeom prst="rect">
+            <a:avLst/>
+          </a:prstGeom>
+          <a:noFill/>
+          <a:ln w="12700">
+            <a:solidFill>
+              <a:prstClr val="black"/>
+            </a:solidFill>
+          </a:ln>
+        </p:spPr>
+        <p:txBody>
+          <a:bodyPr vert="horz" lIns="91440" tIns="45720" rIns="91440" bIns="45720" rtlCol="0" anchor="ctr"/>
+          <a:lstStyle/>
+          <a:p>
+            <a:endParaRPr lang="ko-KR" altLang="en-US"/>
+          </a:p>
+        </p:txBody>
+      </p:sp>
+      <p:sp>
+        <p:nvSpPr>
+          <p:cNvPr id="5" name="슬라이드 노트 개체 틀 4"/>
+          <p:cNvSpPr>
+            <a:spLocks noGrp="1"/>
+          </p:cNvSpPr>
+          <p:nvPr>
+            <p:ph type="body" sz="quarter" idx="3"/>
+          </p:nvPr>
+        </p:nvSpPr>
+        <p:spPr>
+          <a:xfrm>
+            <a:off x="685800" y="4400550"/>
+            <a:ext cx="5486400" cy="3600450"/>
+          </a:xfrm>
+          <a:prstGeom prst="rect">
+            <a:avLst/>
+          </a:prstGeom>
+        </p:spPr>
+        <p:txBody>
+          <a:bodyPr vert="horz" lIns="91440" tIns="45720" rIns="91440" bIns="45720" rtlCol="0"/>
+          <a:lstStyle/>
+          <a:p>
+            <a:pPr lvl="0"/>
+            <a:r>
+              <a:rPr lang="ko-KR" altLang="en-US"/>
+              <a:t>마스터 텍스트 스타일을 편집하려면 클릭</a:t>
+            </a:r>
+          </a:p>
+          <a:p>
+            <a:pPr lvl="1"/>
+            <a:r>
+              <a:rPr lang="ko-KR" altLang="en-US"/>
+              <a:t>두 번째 수준</a:t>
+            </a:r>
+          </a:p>
+          <a:p>
+            <a:pPr lvl="2"/>
+            <a:r>
+              <a:rPr lang="ko-KR" altLang="en-US"/>
+              <a:t>세 번째 수준</a:t>
+            </a:r>
+          </a:p>
+          <a:p>
+            <a:pPr lvl="3"/>
+            <a:r>
+              <a:rPr lang="ko-KR" altLang="en-US"/>
+              <a:t>네 번째 수준</a:t>
+            </a:r>
+          </a:p>
+          <a:p>
+            <a:pPr lvl="4"/>
+            <a:r>
+              <a:rPr lang="ko-KR" altLang="en-US"/>
+              <a:t>다섯 번째 수준</a:t>
+            </a:r>
+          </a:p>
+        </p:txBody>
+      </p:sp>
+      <p:sp>
+        <p:nvSpPr>
+          <p:cNvPr id="6" name="바닥글 개체 틀 5"/>
+          <p:cNvSpPr>
+            <a:spLocks noGrp="1"/>
+          </p:cNvSpPr>
+          <p:nvPr>
+            <p:ph type="ftr" sz="quarter" idx="4"/>
+          </p:nvPr>
+        </p:nvSpPr>
+        <p:spPr>
+          <a:xfrm>
+            <a:off x="0" y="8685213"/>
+            <a:ext cx="2971800" cy="458787"/>
+          </a:xfrm>
+          <a:prstGeom prst="rect">
+            <a:avLst/>
+          </a:prstGeom>
+        </p:spPr>
+        <p:txBody>
+          <a:bodyPr vert="horz" lIns="91440" tIns="45720" rIns="91440" bIns="45720" rtlCol="0" anchor="b"/>
+          <a:lstStyle>
+            <a:lvl1pPr algn="l">
+              <a:defRPr sz="1200"/>
+            </a:lvl1pPr>
+          </a:lstStyle>
+          <a:p>
+            <a:endParaRPr lang="ko-KR" altLang="en-US"/>
+          </a:p>
+        </p:txBody>
+      </p:sp>
+      <p:sp>
+        <p:nvSpPr>
+          <p:cNvPr id="7" name="슬라이드 번호 개체 틀 6"/>
+          <p:cNvSpPr>
+            <a:spLocks noGrp="1"/>
+          </p:cNvSpPr>
+          <p:nvPr>
+            <p:ph type="sldNum" sz="quarter" idx="5"/>
+          </p:nvPr>
+        </p:nvSpPr>
+        <p:spPr>
+          <a:xfrm>
+            <a:off x="3884613" y="8685213"/>
+            <a:ext cx="2971800" cy="458787"/>
+          </a:xfrm>
+          <a:prstGeom prst="rect">
+            <a:avLst/>
+          </a:prstGeom>
+        </p:spPr>
+        <p:txBody>
+          <a:bodyPr vert="horz" lIns="91440" tIns="45720" rIns="91440" bIns="45720" rtlCol="0" anchor="b"/>
+          <a:lstStyle>
+            <a:lvl1pPr algn="r">
+              <a:defRPr sz="1200"/>
+            </a:lvl1pPr>
+          </a:lstStyle>
+          <a:p>
+            <a:fld id="{008AFCE0-AC34-42DC-9FD9-81A6F846D1AC}" type="slidenum">
+              <a:rPr lang="ko-KR" altLang="en-US" smtClean="0"/>
+              <a:t>‹#›</a:t>
+            </a:fld>
+            <a:endParaRPr lang="ko-KR" altLang="en-US"/>
+          </a:p>
+        </p:txBody>
+      </p:sp>
+    </p:spTree>
+    <p:extLst>
+      <p:ext uri="{BB962C8B-B14F-4D97-AF65-F5344CB8AC3E}">
+        <p14:creationId xmlns:p14="http://schemas.microsoft.com/office/powerpoint/2010/main" val="2011408738"/>
+      </p:ext>
+    </p:extLst>
+  </p:cSld>
+  <p:clrMap bg1="lt1" tx1="dk1" bg2="lt2" tx2="dk2" accent1="accent1" accent2="accent2" accent3="accent3" accent4="accent4" accent5="accent5" accent6="accent6" hlink="hlink" folHlink="folHlink"/>
+  <p:notesStyle>
+    <a:lvl1pPr marL="0" algn="l" defTabSz="914400" rtl="0" eaLnBrk="1" latinLnBrk="1" hangingPunct="1">
+      <a:defRPr sz="1200" kern="1200">
+        <a:solidFill>
+          <a:schemeClr val="tx1"/>
+        </a:solidFill>
+        <a:latin typeface="+mn-lt"/>
+        <a:ea typeface="+mn-ea"/>
+        <a:cs typeface="+mn-cs"/>
+      </a:defRPr>
+    </a:lvl1pPr>
+    <a:lvl2pPr marL="457200" algn="l" defTabSz="914400" rtl="0" eaLnBrk="1" latinLnBrk="1" hangingPunct="1">
+      <a:defRPr sz="1200" kern="1200">
+        <a:solidFill>
+          <a:schemeClr val="tx1"/>
+        </a:solidFill>
+        <a:latin typeface="+mn-lt"/>
+        <a:ea typeface="+mn-ea"/>
+        <a:cs typeface="+mn-cs"/>
+      </a:defRPr>
+    </a:lvl2pPr>
+    <a:lvl3pPr marL="914400" algn="l" defTabSz="914400" rtl="0" eaLnBrk="1" latinLnBrk="1" hangingPunct="1">
+      <a:defRPr sz="1200" kern="1200">
+        <a:solidFill>
+          <a:schemeClr val="tx1"/>
+        </a:solidFill>
+        <a:latin typeface="+mn-lt"/>
+        <a:ea typeface="+mn-ea"/>
+        <a:cs typeface="+mn-cs"/>
+      </a:defRPr>
+    </a:lvl3pPr>
+    <a:lvl4pPr marL="1371600" algn="l" defTabSz="914400" rtl="0" eaLnBrk="1" latinLnBrk="1" hangingPunct="1">
+      <a:defRPr sz="1200" kern="1200">
+        <a:solidFill>
+          <a:schemeClr val="tx1"/>
+        </a:solidFill>
+        <a:latin typeface="+mn-lt"/>
+        <a:ea typeface="+mn-ea"/>
+        <a:cs typeface="+mn-cs"/>
+      </a:defRPr>
+    </a:lvl4pPr>
+    <a:lvl5pPr marL="1828800" algn="l" defTabSz="914400" rtl="0" eaLnBrk="1" latinLnBrk="1" hangingPunct="1">
+      <a:defRPr sz="1200" kern="1200">
+        <a:solidFill>
+          <a:schemeClr val="tx1"/>
+        </a:solidFill>
+        <a:latin typeface="+mn-lt"/>
+        <a:ea typeface="+mn-ea"/>
+        <a:cs typeface="+mn-cs"/>
+      </a:defRPr>
+    </a:lvl5pPr>
+    <a:lvl6pPr marL="2286000" algn="l" defTabSz="914400" rtl="0" eaLnBrk="1" latinLnBrk="1" hangingPunct="1">
+      <a:defRPr sz="1200" kern="1200">
+        <a:solidFill>
+          <a:schemeClr val="tx1"/>
+        </a:solidFill>
+        <a:latin typeface="+mn-lt"/>
+        <a:ea typeface="+mn-ea"/>
+        <a:cs typeface="+mn-cs"/>
+      </a:defRPr>
+    </a:lvl6pPr>
+    <a:lvl7pPr marL="2743200" algn="l" defTabSz="914400" rtl="0" eaLnBrk="1" latinLnBrk="1" hangingPunct="1">
+      <a:defRPr sz="1200" kern="1200">
+        <a:solidFill>
+          <a:schemeClr val="tx1"/>
+        </a:solidFill>
+        <a:latin typeface="+mn-lt"/>
+        <a:ea typeface="+mn-ea"/>
+        <a:cs typeface="+mn-cs"/>
+      </a:defRPr>
+    </a:lvl7pPr>
+    <a:lvl8pPr marL="3200400" algn="l" defTabSz="914400" rtl="0" eaLnBrk="1" latinLnBrk="1" hangingPunct="1">
+      <a:defRPr sz="1200" kern="1200">
+        <a:solidFill>
+          <a:schemeClr val="tx1"/>
+        </a:solidFill>
+        <a:latin typeface="+mn-lt"/>
+        <a:ea typeface="+mn-ea"/>
+        <a:cs typeface="+mn-cs"/>
+      </a:defRPr>
+    </a:lvl8pPr>
+    <a:lvl9pPr marL="3657600" algn="l" defTabSz="914400" rtl="0" eaLnBrk="1" latinLnBrk="1" hangingPunct="1">
+      <a:defRPr sz="1200" kern="1200">
+        <a:solidFill>
+          <a:schemeClr val="tx1"/>
+        </a:solidFill>
+        <a:latin typeface="+mn-lt"/>
+        <a:ea typeface="+mn-ea"/>
+        <a:cs typeface="+mn-cs"/>
+      </a:defRPr>
+    </a:lvl9pPr>
+  </p:notesStyle>
+</p:notesMaster>
+</file>
+
+<file path=ppt/notesSlides/notesSlide1.xml><?xml version="1.0" encoding="utf-8"?>
+<p:notes xmlns:a="http://schemas.openxmlformats.org/drawingml/2006/main" xmlns:r="http://schemas.openxmlformats.org/officeDocument/2006/relationships" xmlns:p="http://schemas.openxmlformats.org/presentationml/2006/main">
+  <p:cSld>
+    <p:spTree>
+      <p:nvGrpSpPr>
+        <p:cNvPr id="1" name=""/>
+        <p:cNvGrpSpPr/>
+        <p:nvPr/>
+      </p:nvGrpSpPr>
+      <p:grpSpPr>
+        <a:xfrm>
+          <a:off x="0" y="0"/>
+          <a:ext cx="0" cy="0"/>
+          <a:chOff x="0" y="0"/>
+          <a:chExt cx="0" cy="0"/>
+        </a:xfrm>
+      </p:grpSpPr>
+      <p:sp>
+        <p:nvSpPr>
+          <p:cNvPr id="2" name="슬라이드 이미지 개체 틀 1"/>
+          <p:cNvSpPr>
+            <a:spLocks noGrp="1" noRot="1" noChangeAspect="1"/>
+          </p:cNvSpPr>
+          <p:nvPr>
+            <p:ph type="sldImg"/>
+          </p:nvPr>
+        </p:nvSpPr>
+        <p:spPr/>
+      </p:sp>
+      <p:sp>
+        <p:nvSpPr>
+          <p:cNvPr id="3" name="슬라이드 노트 개체 틀 2"/>
+          <p:cNvSpPr>
+            <a:spLocks noGrp="1"/>
+          </p:cNvSpPr>
+          <p:nvPr>
+            <p:ph type="body" idx="1"/>
+          </p:nvPr>
+        </p:nvSpPr>
+        <p:spPr/>
+        <p:txBody>
+          <a:bodyPr/>
+          <a:lstStyle/>
+          <a:p>
+            <a:r>
+              <a:rPr lang="ko-KR" altLang="en-US" dirty="0"/>
+              <a:t>이전의 이미지와 다음페이지의 이미지를 계속 더하기만 해도 속도감이 나타나는 배경을 표현 가능</a:t>
+            </a:r>
+            <a:endParaRPr lang="en-US" altLang="ko-KR" dirty="0"/>
+          </a:p>
+          <a:p>
+            <a:r>
+              <a:rPr lang="ko-KR" altLang="en-US" dirty="0"/>
+              <a:t>이전 이미지의 결과를 텍스처로 저장하고</a:t>
+            </a:r>
+            <a:r>
+              <a:rPr lang="en-US" altLang="ko-KR" dirty="0"/>
+              <a:t>, </a:t>
+            </a:r>
+            <a:r>
+              <a:rPr lang="ko-KR" altLang="en-US" dirty="0"/>
+              <a:t>이전 이미지하고 현재 이미지들을 더하기를 하던 그렇게 하면 배경들이 또는 이미지가 속도감 있게 움직인다고 느낄 수 있다</a:t>
+            </a:r>
+            <a:endParaRPr lang="en-US" altLang="ko-KR" dirty="0"/>
+          </a:p>
+          <a:p>
+            <a:r>
+              <a:rPr lang="en-US" altLang="ko-KR" dirty="0"/>
+              <a:t>.</a:t>
+            </a:r>
+            <a:endParaRPr lang="ko-KR" altLang="en-US" dirty="0"/>
+          </a:p>
+        </p:txBody>
+      </p:sp>
+      <p:sp>
+        <p:nvSpPr>
+          <p:cNvPr id="4" name="슬라이드 번호 개체 틀 3"/>
+          <p:cNvSpPr>
+            <a:spLocks noGrp="1"/>
+          </p:cNvSpPr>
+          <p:nvPr>
+            <p:ph type="sldNum" sz="quarter" idx="5"/>
+          </p:nvPr>
+        </p:nvSpPr>
+        <p:spPr/>
+        <p:txBody>
+          <a:bodyPr/>
+          <a:lstStyle/>
+          <a:p>
+            <a:fld id="{008AFCE0-AC34-42DC-9FD9-81A6F846D1AC}" type="slidenum">
+              <a:rPr lang="ko-KR" altLang="en-US" smtClean="0"/>
+              <a:t>3</a:t>
+            </a:fld>
+            <a:endParaRPr lang="ko-KR" altLang="en-US"/>
+          </a:p>
+        </p:txBody>
+      </p:sp>
+    </p:spTree>
+    <p:extLst>
+      <p:ext uri="{BB962C8B-B14F-4D97-AF65-F5344CB8AC3E}">
+        <p14:creationId xmlns:p14="http://schemas.microsoft.com/office/powerpoint/2010/main" val="2234964594"/>
+      </p:ext>
+    </p:extLst>
+  </p:cSld>
+  <p:clrMapOvr>
+    <a:masterClrMapping/>
+  </p:clrMapOvr>
+</p:notes>
+</file>
+
+<file path=ppt/notesSlides/notesSlide2.xml><?xml version="1.0" encoding="utf-8"?>
+<p:notes xmlns:a="http://schemas.openxmlformats.org/drawingml/2006/main" xmlns:r="http://schemas.openxmlformats.org/officeDocument/2006/relationships" xmlns:p="http://schemas.openxmlformats.org/presentationml/2006/main">
+  <p:cSld>
+    <p:spTree>
+      <p:nvGrpSpPr>
+        <p:cNvPr id="1" name=""/>
+        <p:cNvGrpSpPr/>
+        <p:nvPr/>
+      </p:nvGrpSpPr>
+      <p:grpSpPr>
+        <a:xfrm>
+          <a:off x="0" y="0"/>
+          <a:ext cx="0" cy="0"/>
+          <a:chOff x="0" y="0"/>
+          <a:chExt cx="0" cy="0"/>
+        </a:xfrm>
+      </p:grpSpPr>
+      <p:sp>
+        <p:nvSpPr>
+          <p:cNvPr id="2" name="슬라이드 이미지 개체 틀 1"/>
+          <p:cNvSpPr>
+            <a:spLocks noGrp="1" noRot="1" noChangeAspect="1"/>
+          </p:cNvSpPr>
+          <p:nvPr>
+            <p:ph type="sldImg"/>
+          </p:nvPr>
+        </p:nvSpPr>
+        <p:spPr/>
+      </p:sp>
+      <p:sp>
+        <p:nvSpPr>
+          <p:cNvPr id="3" name="슬라이드 노트 개체 틀 2"/>
+          <p:cNvSpPr>
+            <a:spLocks noGrp="1"/>
+          </p:cNvSpPr>
+          <p:nvPr>
+            <p:ph type="body" idx="1"/>
+          </p:nvPr>
+        </p:nvSpPr>
+        <p:spPr/>
+        <p:txBody>
+          <a:bodyPr/>
+          <a:lstStyle/>
+          <a:p>
+            <a:endParaRPr lang="ko-KR" altLang="en-US" dirty="0"/>
+          </a:p>
+        </p:txBody>
+      </p:sp>
+      <p:sp>
+        <p:nvSpPr>
+          <p:cNvPr id="4" name="슬라이드 번호 개체 틀 3"/>
+          <p:cNvSpPr>
+            <a:spLocks noGrp="1"/>
+          </p:cNvSpPr>
+          <p:nvPr>
+            <p:ph type="sldNum" sz="quarter" idx="5"/>
+          </p:nvPr>
+        </p:nvSpPr>
+        <p:spPr/>
+        <p:txBody>
+          <a:bodyPr/>
+          <a:lstStyle/>
+          <a:p>
+            <a:fld id="{008AFCE0-AC34-42DC-9FD9-81A6F846D1AC}" type="slidenum">
+              <a:rPr lang="ko-KR" altLang="en-US" smtClean="0"/>
+              <a:t>4</a:t>
+            </a:fld>
+            <a:endParaRPr lang="ko-KR" altLang="en-US"/>
+          </a:p>
+        </p:txBody>
+      </p:sp>
+    </p:spTree>
+    <p:extLst>
+      <p:ext uri="{BB962C8B-B14F-4D97-AF65-F5344CB8AC3E}">
+        <p14:creationId xmlns:p14="http://schemas.microsoft.com/office/powerpoint/2010/main" val="820187620"/>
+      </p:ext>
+    </p:extLst>
+  </p:cSld>
+  <p:clrMapOvr>
+    <a:masterClrMapping/>
+  </p:clrMapOvr>
+</p:notes>
+</file>
+
+<file path=ppt/notesSlides/notesSlide3.xml><?xml version="1.0" encoding="utf-8"?>
+<p:notes xmlns:a="http://schemas.openxmlformats.org/drawingml/2006/main" xmlns:r="http://schemas.openxmlformats.org/officeDocument/2006/relationships" xmlns:p="http://schemas.openxmlformats.org/presentationml/2006/main">
+  <p:cSld>
+    <p:spTree>
+      <p:nvGrpSpPr>
+        <p:cNvPr id="1" name=""/>
+        <p:cNvGrpSpPr/>
+        <p:nvPr/>
+      </p:nvGrpSpPr>
+      <p:grpSpPr>
+        <a:xfrm>
+          <a:off x="0" y="0"/>
+          <a:ext cx="0" cy="0"/>
+          <a:chOff x="0" y="0"/>
+          <a:chExt cx="0" cy="0"/>
+        </a:xfrm>
+      </p:grpSpPr>
+      <p:sp>
+        <p:nvSpPr>
+          <p:cNvPr id="2" name="슬라이드 이미지 개체 틀 1"/>
+          <p:cNvSpPr>
+            <a:spLocks noGrp="1" noRot="1" noChangeAspect="1"/>
+          </p:cNvSpPr>
+          <p:nvPr>
+            <p:ph type="sldImg"/>
+          </p:nvPr>
+        </p:nvSpPr>
+        <p:spPr/>
+      </p:sp>
+      <p:sp>
+        <p:nvSpPr>
+          <p:cNvPr id="3" name="슬라이드 노트 개체 틀 2"/>
+          <p:cNvSpPr>
+            <a:spLocks noGrp="1"/>
+          </p:cNvSpPr>
+          <p:nvPr>
+            <p:ph type="body" idx="1"/>
+          </p:nvPr>
+        </p:nvSpPr>
+        <p:spPr/>
+        <p:txBody>
+          <a:bodyPr/>
+          <a:lstStyle/>
+          <a:p>
+            <a:r>
+              <a:rPr lang="en-US" altLang="ko-KR" dirty="0"/>
+              <a:t>3x3</a:t>
+            </a:r>
+            <a:r>
+              <a:rPr lang="ko-KR" altLang="en-US" dirty="0"/>
+              <a:t>칸씩 평균을 내서 쓰고</a:t>
+            </a:r>
+            <a:r>
+              <a:rPr lang="en-US" altLang="ko-KR" dirty="0"/>
+              <a:t>, </a:t>
+            </a:r>
+            <a:r>
+              <a:rPr lang="ko-KR" altLang="en-US" dirty="0"/>
+              <a:t>오른쪽으로 </a:t>
+            </a:r>
+            <a:r>
+              <a:rPr lang="en-US" altLang="ko-KR" dirty="0"/>
+              <a:t>1</a:t>
+            </a:r>
+            <a:r>
+              <a:rPr lang="ko-KR" altLang="en-US" dirty="0"/>
+              <a:t>칸씩 움직이면서 반복한다</a:t>
+            </a:r>
+            <a:r>
+              <a:rPr lang="en-US" altLang="ko-KR" dirty="0"/>
+              <a:t>.</a:t>
+            </a:r>
+          </a:p>
+          <a:p>
+            <a:r>
+              <a:rPr lang="ko-KR" altLang="en-US" dirty="0"/>
+              <a:t>모든 줄에 대해 다하면 가장 바깥에 있는 픽셀을 제외하고 모든 픽셀에 해당하는 평균값이 얻어진다</a:t>
+            </a:r>
+            <a:r>
+              <a:rPr lang="en-US" altLang="ko-KR" dirty="0"/>
+              <a:t>.</a:t>
+            </a:r>
+          </a:p>
+          <a:p>
+            <a:r>
+              <a:rPr lang="en-US" altLang="ko-KR" dirty="0"/>
+              <a:t>= </a:t>
+            </a:r>
+            <a:r>
+              <a:rPr lang="ko-KR" altLang="en-US" dirty="0" err="1"/>
+              <a:t>컨벌루션</a:t>
+            </a:r>
+            <a:endParaRPr lang="en-US" altLang="ko-KR" dirty="0"/>
+          </a:p>
+        </p:txBody>
+      </p:sp>
+      <p:sp>
+        <p:nvSpPr>
+          <p:cNvPr id="4" name="슬라이드 번호 개체 틀 3"/>
+          <p:cNvSpPr>
+            <a:spLocks noGrp="1"/>
+          </p:cNvSpPr>
+          <p:nvPr>
+            <p:ph type="sldNum" sz="quarter" idx="5"/>
+          </p:nvPr>
+        </p:nvSpPr>
+        <p:spPr/>
+        <p:txBody>
+          <a:bodyPr/>
+          <a:lstStyle/>
+          <a:p>
+            <a:fld id="{008AFCE0-AC34-42DC-9FD9-81A6F846D1AC}" type="slidenum">
+              <a:rPr lang="ko-KR" altLang="en-US" smtClean="0"/>
+              <a:t>5</a:t>
+            </a:fld>
+            <a:endParaRPr lang="ko-KR" altLang="en-US"/>
+          </a:p>
+        </p:txBody>
+      </p:sp>
+    </p:spTree>
+    <p:extLst>
+      <p:ext uri="{BB962C8B-B14F-4D97-AF65-F5344CB8AC3E}">
+        <p14:creationId xmlns:p14="http://schemas.microsoft.com/office/powerpoint/2010/main" val="785995067"/>
+      </p:ext>
+    </p:extLst>
+  </p:cSld>
+  <p:clrMapOvr>
+    <a:masterClrMapping/>
+  </p:clrMapOvr>
+</p:notes>
+</file>
+
+<file path=ppt/notesSlides/notesSlide4.xml><?xml version="1.0" encoding="utf-8"?>
+<p:notes xmlns:a="http://schemas.openxmlformats.org/drawingml/2006/main" xmlns:r="http://schemas.openxmlformats.org/officeDocument/2006/relationships" xmlns:p="http://schemas.openxmlformats.org/presentationml/2006/main">
+  <p:cSld>
+    <p:spTree>
+      <p:nvGrpSpPr>
+        <p:cNvPr id="1" name=""/>
+        <p:cNvGrpSpPr/>
+        <p:nvPr/>
+      </p:nvGrpSpPr>
+      <p:grpSpPr>
+        <a:xfrm>
+          <a:off x="0" y="0"/>
+          <a:ext cx="0" cy="0"/>
+          <a:chOff x="0" y="0"/>
+          <a:chExt cx="0" cy="0"/>
+        </a:xfrm>
+      </p:grpSpPr>
+      <p:sp>
+        <p:nvSpPr>
+          <p:cNvPr id="2" name="슬라이드 이미지 개체 틀 1"/>
+          <p:cNvSpPr>
+            <a:spLocks noGrp="1" noRot="1" noChangeAspect="1"/>
+          </p:cNvSpPr>
+          <p:nvPr>
+            <p:ph type="sldImg"/>
+          </p:nvPr>
+        </p:nvSpPr>
+        <p:spPr/>
+      </p:sp>
+      <p:sp>
+        <p:nvSpPr>
+          <p:cNvPr id="3" name="슬라이드 노트 개체 틀 2"/>
+          <p:cNvSpPr>
+            <a:spLocks noGrp="1"/>
+          </p:cNvSpPr>
+          <p:nvPr>
+            <p:ph type="body" idx="1"/>
+          </p:nvPr>
+        </p:nvSpPr>
+        <p:spPr/>
+        <p:txBody>
+          <a:bodyPr/>
+          <a:lstStyle/>
+          <a:p>
+            <a:pPr marL="0" marR="0" lvl="0" indent="0" algn="l" defTabSz="914400" rtl="0" eaLnBrk="1" fontAlgn="auto" latinLnBrk="1" hangingPunct="1">
+              <a:lnSpc>
+                <a:spcPct val="100000"/>
+              </a:lnSpc>
+              <a:spcBef>
+                <a:spcPts val="0"/>
+              </a:spcBef>
+              <a:spcAft>
+                <a:spcPts val="0"/>
+              </a:spcAft>
+              <a:buClrTx/>
+              <a:buSzTx/>
+              <a:buFontTx/>
+              <a:buNone/>
+              <a:tabLst/>
+              <a:defRPr/>
+            </a:pPr>
+            <a:r>
+              <a:rPr lang="ko-KR" altLang="en-US" dirty="0"/>
+              <a:t>평균 </a:t>
+            </a:r>
+            <a:r>
+              <a:rPr lang="en-US" altLang="ko-KR" dirty="0"/>
+              <a:t>= </a:t>
+            </a:r>
+            <a:r>
+              <a:rPr lang="ko-KR" altLang="en-US" dirty="0"/>
+              <a:t>툭 튀어나온 부분을 없애는 좋은 방법</a:t>
+            </a:r>
+          </a:p>
+          <a:p>
+            <a:r>
+              <a:rPr lang="ko-KR" altLang="en-US" dirty="0"/>
+              <a:t>양끝의 이상한데이터</a:t>
+            </a:r>
+            <a:r>
+              <a:rPr lang="en-US" altLang="ko-KR" dirty="0"/>
+              <a:t>(0</a:t>
+            </a:r>
+            <a:r>
+              <a:rPr lang="ko-KR" altLang="en-US" dirty="0"/>
+              <a:t>에 수렴하는 얘들</a:t>
+            </a:r>
+            <a:r>
+              <a:rPr lang="en-US" altLang="ko-KR" dirty="0"/>
+              <a:t>)</a:t>
+            </a:r>
+            <a:r>
+              <a:rPr lang="ko-KR" altLang="en-US" dirty="0"/>
+              <a:t>를 없애는 좋은 방법 </a:t>
+            </a:r>
+            <a:r>
+              <a:rPr lang="en-US" altLang="ko-KR" dirty="0"/>
+              <a:t>= </a:t>
+            </a:r>
+            <a:r>
+              <a:rPr lang="ko-KR" altLang="en-US" dirty="0"/>
+              <a:t>평균을 내는 것 </a:t>
+            </a:r>
+            <a:endParaRPr lang="en-US" altLang="ko-KR" dirty="0"/>
+          </a:p>
+          <a:p>
+            <a:endParaRPr lang="ko-KR" altLang="en-US" dirty="0"/>
+          </a:p>
+        </p:txBody>
+      </p:sp>
+      <p:sp>
+        <p:nvSpPr>
+          <p:cNvPr id="4" name="슬라이드 번호 개체 틀 3"/>
+          <p:cNvSpPr>
+            <a:spLocks noGrp="1"/>
+          </p:cNvSpPr>
+          <p:nvPr>
+            <p:ph type="sldNum" sz="quarter" idx="5"/>
+          </p:nvPr>
+        </p:nvSpPr>
+        <p:spPr/>
+        <p:txBody>
+          <a:bodyPr/>
+          <a:lstStyle/>
+          <a:p>
+            <a:fld id="{008AFCE0-AC34-42DC-9FD9-81A6F846D1AC}" type="slidenum">
+              <a:rPr lang="ko-KR" altLang="en-US" smtClean="0"/>
+              <a:t>6</a:t>
+            </a:fld>
+            <a:endParaRPr lang="ko-KR" altLang="en-US"/>
+          </a:p>
+        </p:txBody>
+      </p:sp>
+    </p:spTree>
+    <p:extLst>
+      <p:ext uri="{BB962C8B-B14F-4D97-AF65-F5344CB8AC3E}">
+        <p14:creationId xmlns:p14="http://schemas.microsoft.com/office/powerpoint/2010/main" val="2095358376"/>
+      </p:ext>
+    </p:extLst>
+  </p:cSld>
+  <p:clrMapOvr>
+    <a:masterClrMapping/>
+  </p:clrMapOvr>
+</p:notes>
+</file>
+
 <file path=ppt/slideLayouts/slideLayout1.xml><?xml version="1.0" encoding="utf-8"?>
 <p:sldLayout xmlns:a="http://schemas.openxmlformats.org/drawingml/2006/main" xmlns:r="http://schemas.openxmlformats.org/officeDocument/2006/relationships" xmlns:p="http://schemas.openxmlformats.org/presentationml/2006/main" type="titleOnly" preserve="1">
   <p:cSld name="제목만">
@@ -150,10 +974,9 @@
           <a:lstStyle/>
           <a:p>
             <a:r>
-              <a:rPr lang="ko-KR" altLang="en-US" smtClean="0"/>
+              <a:rPr lang="ko-KR" altLang="en-US"/>
               <a:t>마스터 제목 스타일 편집</a:t>
             </a:r>
-            <a:endParaRPr lang="ko-KR" altLang="en-US"/>
           </a:p>
         </p:txBody>
       </p:sp>
@@ -174,7 +997,7 @@
           <a:p>
             <a:fld id="{30C48D1B-E1E9-4BEB-BAE6-814698466AC5}" type="datetimeFigureOut">
               <a:rPr lang="ko-KR" altLang="en-US" smtClean="0"/>
-              <a:t>2021-10-31</a:t>
+              <a:t>2024-11-19</a:t>
             </a:fld>
             <a:endParaRPr lang="ko-KR" altLang="en-US"/>
           </a:p>
@@ -283,10 +1106,9 @@
           <a:lstStyle/>
           <a:p>
             <a:r>
-              <a:rPr lang="ko-KR" altLang="en-US" smtClean="0"/>
+              <a:rPr lang="ko-KR" altLang="en-US"/>
               <a:t>마스터 제목 스타일 편집</a:t>
             </a:r>
-            <a:endParaRPr lang="ko-KR" altLang="en-US"/>
           </a:p>
         </p:txBody>
       </p:sp>
@@ -317,38 +1139,37 @@
           <a:p>
             <a:pPr lvl="0"/>
             <a:r>
-              <a:rPr lang="ko-KR" altLang="en-US" smtClean="0"/>
+              <a:rPr lang="ko-KR" altLang="en-US"/>
               <a:t>마스터 텍스트 스타일 편집</a:t>
             </a:r>
           </a:p>
           <a:p>
             <a:pPr lvl="1"/>
             <a:r>
-              <a:rPr lang="ko-KR" altLang="en-US" smtClean="0"/>
+              <a:rPr lang="ko-KR" altLang="en-US"/>
               <a:t>둘째 수준</a:t>
             </a:r>
           </a:p>
           <a:p>
             <a:pPr lvl="2"/>
             <a:r>
-              <a:rPr lang="ko-KR" altLang="en-US" smtClean="0"/>
+              <a:rPr lang="ko-KR" altLang="en-US"/>
               <a:t>셋째 수준</a:t>
             </a:r>
           </a:p>
           <a:p>
             <a:pPr lvl="3"/>
             <a:r>
-              <a:rPr lang="ko-KR" altLang="en-US" smtClean="0"/>
+              <a:rPr lang="ko-KR" altLang="en-US"/>
               <a:t>넷째 수준</a:t>
             </a:r>
           </a:p>
           <a:p>
             <a:pPr lvl="4"/>
             <a:r>
-              <a:rPr lang="ko-KR" altLang="en-US" smtClean="0"/>
+              <a:rPr lang="ko-KR" altLang="en-US"/>
               <a:t>다섯째 수준</a:t>
             </a:r>
-            <a:endParaRPr lang="ko-KR" altLang="en-US"/>
           </a:p>
         </p:txBody>
       </p:sp>
@@ -387,7 +1208,7 @@
           <a:p>
             <a:fld id="{30C48D1B-E1E9-4BEB-BAE6-814698466AC5}" type="datetimeFigureOut">
               <a:rPr lang="ko-KR" altLang="en-US" smtClean="0"/>
-              <a:t>2021-10-31</a:t>
+              <a:t>2024-11-19</a:t>
             </a:fld>
             <a:endParaRPr lang="ko-KR" altLang="en-US"/>
           </a:p>
@@ -805,7 +1626,7 @@
           <a:p>
             <a:pPr eaLnBrk="1" hangingPunct="1"/>
             <a:r>
-              <a:rPr lang="en-US" altLang="ko-KR" sz="3200" b="1" smtClean="0">
+              <a:rPr lang="en-US" altLang="ko-KR" sz="3200" b="1">
                 <a:solidFill>
                   <a:srgbClr val="FF0066"/>
                 </a:solidFill>
@@ -813,7 +1634,7 @@
               </a:rPr>
               <a:t>Game Programming with DirectX</a:t>
             </a:r>
-            <a:endParaRPr lang="en-US" altLang="ko-KR" sz="3200" b="1" dirty="0" smtClean="0">
+            <a:endParaRPr lang="en-US" altLang="ko-KR" sz="3200" b="1" dirty="0">
               <a:solidFill>
                 <a:srgbClr val="FF0066"/>
               </a:solidFill>
@@ -896,11 +1717,11 @@
           <a:lstStyle/>
           <a:p>
             <a:r>
-              <a:rPr lang="en-US" altLang="ko-KR" smtClean="0"/>
+              <a:rPr lang="en-US" altLang="ko-KR"/>
               <a:t>Direct3D </a:t>
             </a:r>
             <a:r>
-              <a:rPr lang="ko-KR" altLang="en-US" smtClean="0"/>
+              <a:rPr lang="ko-KR" altLang="en-US"/>
               <a:t>파이프라인</a:t>
             </a:r>
             <a:endParaRPr lang="ko-KR" altLang="en-US" dirty="0"/>
@@ -981,11 +1802,11 @@
           <a:lstStyle/>
           <a:p>
             <a:r>
-              <a:rPr lang="ko-KR" altLang="en-US" smtClean="0"/>
+              <a:rPr lang="ko-KR" altLang="en-US"/>
               <a:t>백열광 효과</a:t>
             </a:r>
             <a:r>
-              <a:rPr lang="en-US" altLang="ko-KR" smtClean="0"/>
+              <a:rPr lang="en-US" altLang="ko-KR"/>
               <a:t>(Glow Effect)</a:t>
             </a:r>
             <a:endParaRPr lang="ko-KR" altLang="en-US" dirty="0"/>
@@ -1066,11 +1887,11 @@
           <a:lstStyle/>
           <a:p>
             <a:r>
-              <a:rPr lang="en-US" altLang="ko-KR" smtClean="0"/>
+              <a:rPr lang="en-US" altLang="ko-KR"/>
               <a:t>Direct3D </a:t>
             </a:r>
             <a:r>
-              <a:rPr lang="ko-KR" altLang="en-US" smtClean="0"/>
+              <a:rPr lang="ko-KR" altLang="en-US"/>
               <a:t>파이프라인</a:t>
             </a:r>
             <a:endParaRPr lang="ko-KR" altLang="en-US" dirty="0"/>
@@ -1151,11 +1972,11 @@
           <a:lstStyle/>
           <a:p>
             <a:r>
-              <a:rPr lang="ko-KR" altLang="en-US" smtClean="0"/>
+              <a:rPr lang="ko-KR" altLang="en-US"/>
               <a:t>블러링</a:t>
             </a:r>
             <a:r>
-              <a:rPr lang="en-US" altLang="ko-KR" smtClean="0"/>
+              <a:rPr lang="en-US" altLang="ko-KR"/>
               <a:t>(Blurring)</a:t>
             </a:r>
             <a:endParaRPr lang="ko-KR" altLang="en-US" dirty="0"/>
@@ -1169,7 +1990,7 @@
           <p:nvPr/>
         </p:nvPicPr>
         <p:blipFill>
-          <a:blip r:embed="rId2"/>
+          <a:blip r:embed="rId3"/>
           <a:stretch>
             <a:fillRect/>
           </a:stretch>
@@ -1236,11 +2057,11 @@
           <a:lstStyle/>
           <a:p>
             <a:r>
-              <a:rPr lang="ko-KR" altLang="en-US" smtClean="0"/>
+              <a:rPr lang="ko-KR" altLang="en-US"/>
               <a:t>블러링</a:t>
             </a:r>
             <a:r>
-              <a:rPr lang="en-US" altLang="ko-KR" smtClean="0"/>
+              <a:rPr lang="en-US" altLang="ko-KR"/>
               <a:t>(Blurring)</a:t>
             </a:r>
             <a:endParaRPr lang="ko-KR" altLang="en-US" dirty="0"/>
@@ -1254,7 +2075,7 @@
           <p:nvPr/>
         </p:nvPicPr>
         <p:blipFill>
-          <a:blip r:embed="rId2"/>
+          <a:blip r:embed="rId3"/>
           <a:stretch>
             <a:fillRect/>
           </a:stretch>
@@ -1321,11 +2142,11 @@
           <a:lstStyle/>
           <a:p>
             <a:r>
-              <a:rPr lang="ko-KR" altLang="en-US" smtClean="0"/>
+              <a:rPr lang="ko-KR" altLang="en-US"/>
               <a:t>블러링</a:t>
             </a:r>
             <a:r>
-              <a:rPr lang="en-US" altLang="ko-KR" smtClean="0"/>
+              <a:rPr lang="en-US" altLang="ko-KR"/>
               <a:t>(Blurring)</a:t>
             </a:r>
             <a:endParaRPr lang="ko-KR" altLang="en-US" dirty="0"/>
@@ -1339,7 +2160,7 @@
           <p:nvPr/>
         </p:nvPicPr>
         <p:blipFill>
-          <a:blip r:embed="rId2"/>
+          <a:blip r:embed="rId3"/>
           <a:stretch>
             <a:fillRect/>
           </a:stretch>
@@ -1406,11 +2227,11 @@
           <a:lstStyle/>
           <a:p>
             <a:r>
-              <a:rPr lang="ko-KR" altLang="en-US" smtClean="0"/>
+              <a:rPr lang="ko-KR" altLang="en-US"/>
               <a:t>블러링</a:t>
             </a:r>
             <a:r>
-              <a:rPr lang="en-US" altLang="ko-KR" smtClean="0"/>
+              <a:rPr lang="en-US" altLang="ko-KR"/>
               <a:t>(Blurring)</a:t>
             </a:r>
             <a:endParaRPr lang="ko-KR" altLang="en-US" dirty="0"/>
@@ -1424,7 +2245,7 @@
           <p:nvPr/>
         </p:nvPicPr>
         <p:blipFill>
-          <a:blip r:embed="rId2"/>
+          <a:blip r:embed="rId3"/>
           <a:stretch>
             <a:fillRect/>
           </a:stretch>
@@ -1491,11 +2312,11 @@
           <a:lstStyle/>
           <a:p>
             <a:r>
-              <a:rPr lang="ko-KR" altLang="en-US" smtClean="0"/>
+              <a:rPr lang="ko-KR" altLang="en-US"/>
               <a:t>블러링</a:t>
             </a:r>
             <a:r>
-              <a:rPr lang="en-US" altLang="ko-KR" smtClean="0"/>
+              <a:rPr lang="en-US" altLang="ko-KR"/>
               <a:t>(Blurring)</a:t>
             </a:r>
             <a:endParaRPr lang="ko-KR" altLang="en-US" dirty="0"/>
@@ -1576,11 +2397,11 @@
           <a:lstStyle/>
           <a:p>
             <a:r>
-              <a:rPr lang="ko-KR" altLang="en-US" smtClean="0"/>
+              <a:rPr lang="ko-KR" altLang="en-US"/>
               <a:t>블러링</a:t>
             </a:r>
             <a:r>
-              <a:rPr lang="en-US" altLang="ko-KR" smtClean="0"/>
+              <a:rPr lang="en-US" altLang="ko-KR"/>
               <a:t>(Blurring)</a:t>
             </a:r>
             <a:endParaRPr lang="ko-KR" altLang="en-US" dirty="0"/>
@@ -1661,11 +2482,11 @@
           <a:lstStyle/>
           <a:p>
             <a:r>
-              <a:rPr lang="en-US" altLang="ko-KR" smtClean="0"/>
+              <a:rPr lang="en-US" altLang="ko-KR"/>
               <a:t>Direct3D </a:t>
             </a:r>
             <a:r>
-              <a:rPr lang="ko-KR" altLang="en-US" smtClean="0"/>
+              <a:rPr lang="ko-KR" altLang="en-US"/>
               <a:t>파이프라인</a:t>
             </a:r>
             <a:endParaRPr lang="ko-KR" altLang="en-US" dirty="0"/>
@@ -1966,4 +2787,319 @@
     </a:ext>
   </a:extLst>
 </a:theme>
+</file>
+
+<file path=ppt/theme/theme2.xml><?xml version="1.0" encoding="utf-8"?>
+<a:theme xmlns:a="http://schemas.openxmlformats.org/drawingml/2006/main" name="Office 테마">
+  <a:themeElements>
+    <a:clrScheme name="Office">
+      <a:dk1>
+        <a:sysClr val="windowText" lastClr="000000"/>
+      </a:dk1>
+      <a:lt1>
+        <a:sysClr val="window" lastClr="FFFFFF"/>
+      </a:lt1>
+      <a:dk2>
+        <a:srgbClr val="0E2841"/>
+      </a:dk2>
+      <a:lt2>
+        <a:srgbClr val="E8E8E8"/>
+      </a:lt2>
+      <a:accent1>
+        <a:srgbClr val="156082"/>
+      </a:accent1>
+      <a:accent2>
+        <a:srgbClr val="E97132"/>
+      </a:accent2>
+      <a:accent3>
+        <a:srgbClr val="196B24"/>
+      </a:accent3>
+      <a:accent4>
+        <a:srgbClr val="0F9ED5"/>
+      </a:accent4>
+      <a:accent5>
+        <a:srgbClr val="A02B93"/>
+      </a:accent5>
+      <a:accent6>
+        <a:srgbClr val="4EA72E"/>
+      </a:accent6>
+      <a:hlink>
+        <a:srgbClr val="467886"/>
+      </a:hlink>
+      <a:folHlink>
+        <a:srgbClr val="96607D"/>
+      </a:folHlink>
+    </a:clrScheme>
+    <a:fontScheme name="Office">
+      <a:majorFont>
+        <a:latin typeface="맑은 고딕" panose="02110004020202020204"/>
+        <a:ea typeface=""/>
+        <a:cs typeface=""/>
+        <a:font script="Jpan" typeface="游ゴシック Light"/>
+        <a:font script="Hang" typeface="맑은 고딕"/>
+        <a:font script="Hans" typeface="等线 Light"/>
+        <a:font script="Hant" typeface="新細明體"/>
+        <a:font script="Arab" typeface="Times New Roman"/>
+        <a:font script="Hebr" typeface="Times New Roman"/>
+        <a:font script="Thai" typeface="Angsana New"/>
+        <a:font script="Ethi" typeface="Nyala"/>
+        <a:font script="Beng" typeface="Vrinda"/>
+        <a:font script="Gujr" typeface="Shruti"/>
+        <a:font script="Khmr" typeface="MoolBoran"/>
+        <a:font script="Knda" typeface="Tunga"/>
+        <a:font script="Guru" typeface="Raavi"/>
+        <a:font script="Cans" typeface="Euphemia"/>
+        <a:font script="Cher" typeface="Plantagenet Cherokee"/>
+        <a:font script="Yiii" typeface="Microsoft Yi Baiti"/>
+        <a:font script="Tibt" typeface="Microsoft Himalaya"/>
+        <a:font script="Thaa" typeface="MV Boli"/>
+        <a:font script="Deva" typeface="Mangal"/>
+        <a:font script="Telu" typeface="Gautami"/>
+        <a:font script="Taml" typeface="Latha"/>
+        <a:font script="Syrc" typeface="Estrangelo Edessa"/>
+        <a:font script="Orya" typeface="Kalinga"/>
+        <a:font script="Mlym" typeface="Kartika"/>
+        <a:font script="Laoo" typeface="DokChampa"/>
+        <a:font script="Sinh" typeface="Iskoola Pota"/>
+        <a:font script="Mong" typeface="Mongolian Baiti"/>
+        <a:font script="Viet" typeface="Times New Roman"/>
+        <a:font script="Uigh" typeface="Microsoft Uighur"/>
+        <a:font script="Geor" typeface="Sylfaen"/>
+        <a:font script="Armn" typeface="Arial"/>
+        <a:font script="Bugi" typeface="Leelawadee UI"/>
+        <a:font script="Bopo" typeface="Microsoft JhengHei"/>
+        <a:font script="Java" typeface="Javanese Text"/>
+        <a:font script="Lisu" typeface="Segoe UI"/>
+        <a:font script="Mymr" typeface="Myanmar Text"/>
+        <a:font script="Nkoo" typeface="Ebrima"/>
+        <a:font script="Olck" typeface="Nirmala UI"/>
+        <a:font script="Osma" typeface="Ebrima"/>
+        <a:font script="Phag" typeface="Phagspa"/>
+        <a:font script="Syrn" typeface="Estrangelo Edessa"/>
+        <a:font script="Syrj" typeface="Estrangelo Edessa"/>
+        <a:font script="Syre" typeface="Estrangelo Edessa"/>
+        <a:font script="Sora" typeface="Nirmala UI"/>
+        <a:font script="Tale" typeface="Microsoft Tai Le"/>
+        <a:font script="Talu" typeface="Microsoft New Tai Lue"/>
+        <a:font script="Tfng" typeface="Ebrima"/>
+      </a:majorFont>
+      <a:minorFont>
+        <a:latin typeface="맑은 고딕" panose="02110004020202020204"/>
+        <a:ea typeface=""/>
+        <a:cs typeface=""/>
+        <a:font script="Jpan" typeface="游ゴシック"/>
+        <a:font script="Hang" typeface="맑은 고딕"/>
+        <a:font script="Hans" typeface="等线"/>
+        <a:font script="Hant" typeface="新細明體"/>
+        <a:font script="Arab" typeface="Arial"/>
+        <a:font script="Hebr" typeface="Arial"/>
+        <a:font script="Thai" typeface="Cordia New"/>
+        <a:font script="Ethi" typeface="Nyala"/>
+        <a:font script="Beng" typeface="Vrinda"/>
+        <a:font script="Gujr" typeface="Shruti"/>
+        <a:font script="Khmr" typeface="DaunPenh"/>
+        <a:font script="Knda" typeface="Tunga"/>
+        <a:font script="Guru" typeface="Raavi"/>
+        <a:font script="Cans" typeface="Euphemia"/>
+        <a:font script="Cher" typeface="Plantagenet Cherokee"/>
+        <a:font script="Yiii" typeface="Microsoft Yi Baiti"/>
+        <a:font script="Tibt" typeface="Microsoft Himalaya"/>
+        <a:font script="Thaa" typeface="MV Boli"/>
+        <a:font script="Deva" typeface="Mangal"/>
+        <a:font script="Telu" typeface="Gautami"/>
+        <a:font script="Taml" typeface="Latha"/>
+        <a:font script="Syrc" typeface="Estrangelo Edessa"/>
+        <a:font script="Orya" typeface="Kalinga"/>
+        <a:font script="Mlym" typeface="Kartika"/>
+        <a:font script="Laoo" typeface="DokChampa"/>
+        <a:font script="Sinh" typeface="Iskoola Pota"/>
+        <a:font script="Mong" typeface="Mongolian Baiti"/>
+        <a:font script="Viet" typeface="Arial"/>
+        <a:font script="Uigh" typeface="Microsoft Uighur"/>
+        <a:font script="Geor" typeface="Sylfaen"/>
+        <a:font script="Armn" typeface="Arial"/>
+        <a:font script="Bugi" typeface="Leelawadee UI"/>
+        <a:font script="Bopo" typeface="Microsoft JhengHei"/>
+        <a:font script="Java" typeface="Javanese Text"/>
+        <a:font script="Lisu" typeface="Segoe UI"/>
+        <a:font script="Mymr" typeface="Myanmar Text"/>
+        <a:font script="Nkoo" typeface="Ebrima"/>
+        <a:font script="Olck" typeface="Nirmala UI"/>
+        <a:font script="Osma" typeface="Ebrima"/>
+        <a:font script="Phag" typeface="Phagspa"/>
+        <a:font script="Syrn" typeface="Estrangelo Edessa"/>
+        <a:font script="Syrj" typeface="Estrangelo Edessa"/>
+        <a:font script="Syre" typeface="Estrangelo Edessa"/>
+        <a:font script="Sora" typeface="Nirmala UI"/>
+        <a:font script="Tale" typeface="Microsoft Tai Le"/>
+        <a:font script="Talu" typeface="Microsoft New Tai Lue"/>
+        <a:font script="Tfng" typeface="Ebrima"/>
+      </a:minorFont>
+    </a:fontScheme>
+    <a:fmtScheme name="Office">
+      <a:fillStyleLst>
+        <a:solidFill>
+          <a:schemeClr val="phClr"/>
+        </a:solidFill>
+        <a:gradFill rotWithShape="1">
+          <a:gsLst>
+            <a:gs pos="0">
+              <a:schemeClr val="phClr">
+                <a:lumMod val="110000"/>
+                <a:satMod val="105000"/>
+                <a:tint val="67000"/>
+              </a:schemeClr>
+            </a:gs>
+            <a:gs pos="50000">
+              <a:schemeClr val="phClr">
+                <a:lumMod val="105000"/>
+                <a:satMod val="103000"/>
+                <a:tint val="73000"/>
+              </a:schemeClr>
+            </a:gs>
+            <a:gs pos="100000">
+              <a:schemeClr val="phClr">
+                <a:lumMod val="105000"/>
+                <a:satMod val="109000"/>
+                <a:tint val="81000"/>
+              </a:schemeClr>
+            </a:gs>
+          </a:gsLst>
+          <a:lin ang="5400000" scaled="0"/>
+        </a:gradFill>
+        <a:gradFill rotWithShape="1">
+          <a:gsLst>
+            <a:gs pos="0">
+              <a:schemeClr val="phClr">
+                <a:satMod val="103000"/>
+                <a:lumMod val="102000"/>
+                <a:tint val="94000"/>
+              </a:schemeClr>
+            </a:gs>
+            <a:gs pos="50000">
+              <a:schemeClr val="phClr">
+                <a:satMod val="110000"/>
+                <a:lumMod val="100000"/>
+                <a:shade val="100000"/>
+              </a:schemeClr>
+            </a:gs>
+            <a:gs pos="100000">
+              <a:schemeClr val="phClr">
+                <a:lumMod val="99000"/>
+                <a:satMod val="120000"/>
+                <a:shade val="78000"/>
+              </a:schemeClr>
+            </a:gs>
+          </a:gsLst>
+          <a:lin ang="5400000" scaled="0"/>
+        </a:gradFill>
+      </a:fillStyleLst>
+      <a:lnStyleLst>
+        <a:ln w="12700" cap="flat" cmpd="sng" algn="ctr">
+          <a:solidFill>
+            <a:schemeClr val="phClr"/>
+          </a:solidFill>
+          <a:prstDash val="solid"/>
+          <a:miter lim="800000"/>
+        </a:ln>
+        <a:ln w="19050" cap="flat" cmpd="sng" algn="ctr">
+          <a:solidFill>
+            <a:schemeClr val="phClr"/>
+          </a:solidFill>
+          <a:prstDash val="solid"/>
+          <a:miter lim="800000"/>
+        </a:ln>
+        <a:ln w="25400" cap="flat" cmpd="sng" algn="ctr">
+          <a:solidFill>
+            <a:schemeClr val="phClr"/>
+          </a:solidFill>
+          <a:prstDash val="solid"/>
+          <a:miter lim="800000"/>
+        </a:ln>
+      </a:lnStyleLst>
+      <a:effectStyleLst>
+        <a:effectStyle>
+          <a:effectLst/>
+        </a:effectStyle>
+        <a:effectStyle>
+          <a:effectLst/>
+        </a:effectStyle>
+        <a:effectStyle>
+          <a:effectLst>
+            <a:outerShdw blurRad="57150" dist="19050" dir="5400000" algn="ctr" rotWithShape="0">
+              <a:srgbClr val="000000">
+                <a:alpha val="63000"/>
+              </a:srgbClr>
+            </a:outerShdw>
+          </a:effectLst>
+        </a:effectStyle>
+      </a:effectStyleLst>
+      <a:bgFillStyleLst>
+        <a:solidFill>
+          <a:schemeClr val="phClr"/>
+        </a:solidFill>
+        <a:solidFill>
+          <a:schemeClr val="phClr">
+            <a:tint val="95000"/>
+            <a:satMod val="170000"/>
+          </a:schemeClr>
+        </a:solidFill>
+        <a:gradFill rotWithShape="1">
+          <a:gsLst>
+            <a:gs pos="0">
+              <a:schemeClr val="phClr">
+                <a:tint val="93000"/>
+                <a:satMod val="150000"/>
+                <a:shade val="98000"/>
+                <a:lumMod val="102000"/>
+              </a:schemeClr>
+            </a:gs>
+            <a:gs pos="50000">
+              <a:schemeClr val="phClr">
+                <a:tint val="98000"/>
+                <a:satMod val="130000"/>
+                <a:shade val="90000"/>
+                <a:lumMod val="103000"/>
+              </a:schemeClr>
+            </a:gs>
+            <a:gs pos="100000">
+              <a:schemeClr val="phClr">
+                <a:shade val="63000"/>
+                <a:satMod val="120000"/>
+              </a:schemeClr>
+            </a:gs>
+          </a:gsLst>
+          <a:lin ang="5400000" scaled="0"/>
+        </a:gradFill>
+      </a:bgFillStyleLst>
+    </a:fmtScheme>
+  </a:themeElements>
+  <a:objectDefaults>
+    <a:lnDef>
+      <a:spPr/>
+      <a:bodyPr/>
+      <a:lstStyle/>
+      <a:style>
+        <a:lnRef idx="2">
+          <a:schemeClr val="accent1"/>
+        </a:lnRef>
+        <a:fillRef idx="0">
+          <a:schemeClr val="accent1"/>
+        </a:fillRef>
+        <a:effectRef idx="1">
+          <a:schemeClr val="accent1"/>
+        </a:effectRef>
+        <a:fontRef idx="minor">
+          <a:schemeClr val="tx1"/>
+        </a:fontRef>
+      </a:style>
+    </a:lnDef>
+  </a:objectDefaults>
+  <a:extraClrSchemeLst/>
+  <a:extLst>
+    <a:ext uri="{05A4C25C-085E-4340-85A3-A5531E510DB2}">
+      <thm15:themeFamily xmlns:thm15="http://schemas.microsoft.com/office/thememl/2012/main" name="Office Theme" id="{2E142A2C-CD16-42D6-873A-C26D2A0506FA}" vid="{1BDDFF52-6CD6-40A5-AB3C-68EB2F1E4D0A}"/>
+    </a:ext>
+  </a:extLst>
+</a:theme>
 </file>
--- a/3DGP2/PPT/DirectX 12-2(Chap 06)-Shader Samples 02(Blurring) 그림.pptx
+++ b/3DGP2/PPT/DirectX 12-2(Chap 06)-Shader Samples 02(Blurring) 그림.pptx
@@ -117,6 +117,11 @@
       </a:defRPr>
     </a:lvl9pPr>
   </p:defaultTextStyle>
+  <p:extLst>
+    <p:ext uri="{EFAFB233-063F-42B5-8137-9DF3F51BA10A}">
+      <p15:sldGuideLst xmlns:p15="http://schemas.microsoft.com/office/powerpoint/2012/main"/>
+    </p:ext>
+  </p:extLst>
 </p:presentation>
 </file>
 
@@ -202,7 +207,7 @@
           <a:p>
             <a:fld id="{D108CBCE-AA95-4CE1-84AD-762A980094D3}" type="datetimeFigureOut">
               <a:rPr lang="ko-KR" altLang="en-US" smtClean="0"/>
-              <a:t>2024-11-19</a:t>
+              <a:t>2024-11-25</a:t>
             </a:fld>
             <a:endParaRPr lang="ko-KR" altLang="en-US"/>
           </a:p>
@@ -901,7 +906,208 @@
             <a:endParaRPr lang="en-US" altLang="ko-KR" dirty="0"/>
           </a:p>
           <a:p>
-            <a:endParaRPr lang="ko-KR" altLang="en-US" dirty="0"/>
+            <a:endParaRPr lang="en-US" altLang="ko-KR" dirty="0"/>
+          </a:p>
+          <a:p>
+            <a:r>
+              <a:rPr lang="ko-KR" altLang="en-US" dirty="0"/>
+              <a:t>모자모양의 그래프가 </a:t>
+            </a:r>
+            <a:r>
+              <a:rPr lang="en-US" altLang="ko-KR" dirty="0" err="1"/>
+              <a:t>u,v</a:t>
+            </a:r>
+            <a:r>
+              <a:rPr lang="ko-KR" altLang="en-US" dirty="0"/>
+              <a:t>에 대해 만들어 진다</a:t>
+            </a:r>
+            <a:r>
+              <a:rPr lang="en-US" altLang="ko-KR" dirty="0"/>
+              <a:t>.</a:t>
+            </a:r>
+          </a:p>
+          <a:p>
+            <a:r>
+              <a:rPr lang="ko-KR" altLang="en-US" dirty="0" err="1"/>
+              <a:t>익스펜션</a:t>
+            </a:r>
+            <a:r>
+              <a:rPr lang="en-US" altLang="ko-KR" dirty="0"/>
+              <a:t>? </a:t>
+            </a:r>
+            <a:r>
+              <a:rPr lang="ko-KR" altLang="en-US" dirty="0"/>
+              <a:t>지수의 성질</a:t>
+            </a:r>
+            <a:r>
+              <a:rPr lang="en-US" altLang="ko-KR" dirty="0"/>
+              <a:t>, </a:t>
+            </a:r>
+            <a:r>
+              <a:rPr lang="ko-KR" altLang="en-US" dirty="0"/>
+              <a:t>빨강</a:t>
+            </a:r>
+            <a:r>
+              <a:rPr lang="en-US" altLang="ko-KR" dirty="0"/>
+              <a:t>, </a:t>
+            </a:r>
+            <a:r>
+              <a:rPr lang="ko-KR" altLang="en-US" dirty="0"/>
+              <a:t>파랑의 곱과 똑같은 의미</a:t>
+            </a:r>
+            <a:endParaRPr lang="en-US" altLang="ko-KR" dirty="0"/>
+          </a:p>
+          <a:p>
+            <a:r>
+              <a:rPr lang="en-US" altLang="ko-KR" dirty="0"/>
+              <a:t>5/5</a:t>
+            </a:r>
+            <a:r>
+              <a:rPr lang="ko-KR" altLang="en-US" dirty="0"/>
+              <a:t>의 값들을 다 더하고 </a:t>
+            </a:r>
+            <a:r>
+              <a:rPr lang="en-US" altLang="ko-KR" dirty="0"/>
+              <a:t>273</a:t>
+            </a:r>
+            <a:r>
+              <a:rPr lang="ko-KR" altLang="en-US" dirty="0"/>
+              <a:t>으로 나누면 </a:t>
+            </a:r>
+            <a:r>
+              <a:rPr lang="en-US" altLang="ko-KR" dirty="0"/>
+              <a:t>1</a:t>
+            </a:r>
+            <a:r>
+              <a:rPr lang="ko-KR" altLang="en-US" dirty="0"/>
+              <a:t>이 </a:t>
+            </a:r>
+            <a:r>
+              <a:rPr lang="ko-KR" altLang="en-US" dirty="0" err="1"/>
+              <a:t>될거다</a:t>
+            </a:r>
+            <a:r>
+              <a:rPr lang="en-US" altLang="ko-KR" dirty="0"/>
+              <a:t>.</a:t>
+            </a:r>
+          </a:p>
+          <a:p>
+            <a:r>
+              <a:rPr lang="ko-KR" altLang="en-US" dirty="0"/>
+              <a:t>센터가 비중이 크고 바깥엔 비중이 적은</a:t>
+            </a:r>
+            <a:r>
+              <a:rPr lang="en-US" altLang="ko-KR" dirty="0"/>
+              <a:t>..</a:t>
+            </a:r>
+          </a:p>
+          <a:p>
+            <a:r>
+              <a:rPr lang="ko-KR" altLang="en-US" dirty="0"/>
+              <a:t>센터의 값은 고정되고</a:t>
+            </a:r>
+            <a:r>
+              <a:rPr lang="en-US" altLang="ko-KR" dirty="0"/>
+              <a:t>, </a:t>
+            </a:r>
+            <a:r>
+              <a:rPr lang="ko-KR" altLang="en-US" dirty="0"/>
+              <a:t>바깥은 무시되는 </a:t>
+            </a:r>
+            <a:r>
+              <a:rPr lang="ko-KR" altLang="en-US" dirty="0" err="1"/>
+              <a:t>블러링을</a:t>
+            </a:r>
+            <a:r>
+              <a:rPr lang="ko-KR" altLang="en-US" dirty="0"/>
+              <a:t> 할 수 있다</a:t>
+            </a:r>
+            <a:r>
+              <a:rPr lang="en-US" altLang="ko-KR" dirty="0"/>
+              <a:t>.</a:t>
+            </a:r>
+          </a:p>
+          <a:p>
+            <a:endParaRPr lang="en-US" altLang="ko-KR" dirty="0"/>
+          </a:p>
+          <a:p>
+            <a:r>
+              <a:rPr lang="ko-KR" altLang="en-US" dirty="0"/>
+              <a:t>원래 </a:t>
+            </a:r>
+            <a:r>
+              <a:rPr lang="en-US" altLang="ko-KR" dirty="0"/>
+              <a:t>9</a:t>
+            </a:r>
+            <a:r>
+              <a:rPr lang="ko-KR" altLang="en-US" dirty="0"/>
+              <a:t>번 곱하기 </a:t>
+            </a:r>
+            <a:r>
+              <a:rPr lang="en-US" altLang="ko-KR" dirty="0"/>
+              <a:t>8</a:t>
+            </a:r>
+            <a:r>
+              <a:rPr lang="ko-KR" altLang="en-US" dirty="0"/>
+              <a:t>번 더하기 </a:t>
+            </a:r>
+            <a:r>
+              <a:rPr lang="ko-KR" altLang="en-US" dirty="0" err="1"/>
+              <a:t>해야하는데</a:t>
+            </a:r>
+            <a:endParaRPr lang="en-US" altLang="ko-KR" dirty="0"/>
+          </a:p>
+          <a:p>
+            <a:r>
+              <a:rPr lang="ko-KR" altLang="en-US" dirty="0"/>
+              <a:t>이 방식은 </a:t>
+            </a:r>
+            <a:r>
+              <a:rPr lang="en-US" altLang="ko-KR" dirty="0"/>
+              <a:t>3</a:t>
+            </a:r>
+            <a:r>
+              <a:rPr lang="ko-KR" altLang="en-US" dirty="0"/>
+              <a:t>번 곱하기 </a:t>
+            </a:r>
+            <a:r>
+              <a:rPr lang="en-US" altLang="ko-KR" dirty="0"/>
+              <a:t>2</a:t>
+            </a:r>
+            <a:r>
+              <a:rPr lang="ko-KR" altLang="en-US" dirty="0"/>
+              <a:t>번 더하기만 하면 된다</a:t>
+            </a:r>
+            <a:endParaRPr lang="en-US" altLang="ko-KR" dirty="0"/>
+          </a:p>
+          <a:p>
+            <a:endParaRPr lang="en-US" altLang="ko-KR" dirty="0"/>
+          </a:p>
+          <a:p>
+            <a:r>
+              <a:rPr lang="ko-KR" altLang="en-US" dirty="0" err="1"/>
+              <a:t>가우시안</a:t>
+            </a:r>
+            <a:r>
+              <a:rPr lang="ko-KR" altLang="en-US" dirty="0"/>
+              <a:t> </a:t>
+            </a:r>
+            <a:r>
+              <a:rPr lang="ko-KR" altLang="en-US" dirty="0" err="1"/>
+              <a:t>블러</a:t>
+            </a:r>
+            <a:r>
+              <a:rPr lang="ko-KR" altLang="en-US" dirty="0"/>
+              <a:t> </a:t>
+            </a:r>
+            <a:r>
+              <a:rPr lang="en-US" altLang="ko-KR" dirty="0"/>
+              <a:t>: </a:t>
+            </a:r>
+            <a:r>
+              <a:rPr lang="ko-KR" altLang="en-US" dirty="0"/>
+              <a:t>이미지를 부드럽게 하는 과정</a:t>
+            </a:r>
           </a:p>
         </p:txBody>
       </p:sp>
@@ -932,6 +1138,576 @@
     <p:extLst>
       <p:ext uri="{BB962C8B-B14F-4D97-AF65-F5344CB8AC3E}">
         <p14:creationId xmlns:p14="http://schemas.microsoft.com/office/powerpoint/2010/main" val="2095358376"/>
+      </p:ext>
+    </p:extLst>
+  </p:cSld>
+  <p:clrMapOvr>
+    <a:masterClrMapping/>
+  </p:clrMapOvr>
+</p:notes>
+</file>
+
+<file path=ppt/notesSlides/notesSlide5.xml><?xml version="1.0" encoding="utf-8"?>
+<p:notes xmlns:a="http://schemas.openxmlformats.org/drawingml/2006/main" xmlns:r="http://schemas.openxmlformats.org/officeDocument/2006/relationships" xmlns:p="http://schemas.openxmlformats.org/presentationml/2006/main">
+  <p:cSld>
+    <p:spTree>
+      <p:nvGrpSpPr>
+        <p:cNvPr id="1" name=""/>
+        <p:cNvGrpSpPr/>
+        <p:nvPr/>
+      </p:nvGrpSpPr>
+      <p:grpSpPr>
+        <a:xfrm>
+          <a:off x="0" y="0"/>
+          <a:ext cx="0" cy="0"/>
+          <a:chOff x="0" y="0"/>
+          <a:chExt cx="0" cy="0"/>
+        </a:xfrm>
+      </p:grpSpPr>
+      <p:sp>
+        <p:nvSpPr>
+          <p:cNvPr id="2" name="슬라이드 이미지 개체 틀 1"/>
+          <p:cNvSpPr>
+            <a:spLocks noGrp="1" noRot="1" noChangeAspect="1"/>
+          </p:cNvSpPr>
+          <p:nvPr>
+            <p:ph type="sldImg"/>
+          </p:nvPr>
+        </p:nvSpPr>
+        <p:spPr/>
+      </p:sp>
+      <p:sp>
+        <p:nvSpPr>
+          <p:cNvPr id="3" name="슬라이드 노트 개체 틀 2"/>
+          <p:cNvSpPr>
+            <a:spLocks noGrp="1"/>
+          </p:cNvSpPr>
+          <p:nvPr>
+            <p:ph type="body" idx="1"/>
+          </p:nvPr>
+        </p:nvSpPr>
+        <p:spPr/>
+        <p:txBody>
+          <a:bodyPr/>
+          <a:lstStyle/>
+          <a:p>
+            <a:r>
+              <a:rPr lang="ko-KR" altLang="en-US" dirty="0" err="1"/>
+              <a:t>블러링을</a:t>
+            </a:r>
+            <a:r>
+              <a:rPr lang="ko-KR" altLang="en-US" dirty="0"/>
+              <a:t> 할 때 </a:t>
+            </a:r>
+            <a:r>
+              <a:rPr lang="en-US" altLang="ko-KR" dirty="0"/>
+              <a:t>…</a:t>
+            </a:r>
+          </a:p>
+          <a:p>
+            <a:r>
+              <a:rPr lang="en-US" altLang="ko-KR" dirty="0"/>
+              <a:t>Mask</a:t>
+            </a:r>
+            <a:r>
+              <a:rPr lang="ko-KR" altLang="en-US" dirty="0"/>
+              <a:t>를 </a:t>
+            </a:r>
+            <a:r>
+              <a:rPr lang="en-US" altLang="ko-KR" dirty="0"/>
+              <a:t>3x3</a:t>
+            </a:r>
+            <a:r>
+              <a:rPr lang="ko-KR" altLang="en-US" dirty="0"/>
+              <a:t>가 아닌 </a:t>
+            </a:r>
+            <a:r>
+              <a:rPr lang="en-US" altLang="ko-KR" dirty="0"/>
+              <a:t>5x5</a:t>
+            </a:r>
+            <a:r>
+              <a:rPr lang="ko-KR" altLang="en-US" dirty="0"/>
+              <a:t>로 하려고 한다</a:t>
+            </a:r>
+            <a:r>
+              <a:rPr lang="en-US" altLang="ko-KR" dirty="0"/>
+              <a:t>.</a:t>
+            </a:r>
+          </a:p>
+          <a:p>
+            <a:r>
+              <a:rPr lang="en-US" altLang="ko-KR" dirty="0"/>
+              <a:t>5</a:t>
+            </a:r>
+            <a:r>
+              <a:rPr lang="ko-KR" altLang="en-US" dirty="0"/>
+              <a:t>개의 픽셀들을 </a:t>
+            </a:r>
+            <a:r>
+              <a:rPr lang="ko-KR" altLang="en-US" dirty="0" err="1"/>
+              <a:t>써야하니</a:t>
+            </a:r>
+            <a:r>
+              <a:rPr lang="en-US" altLang="ko-KR" dirty="0"/>
+              <a:t>, </a:t>
+            </a:r>
+            <a:r>
+              <a:rPr lang="ko-KR" altLang="en-US" dirty="0"/>
+              <a:t>왼쪽에 두개가 필요하고</a:t>
+            </a:r>
+            <a:r>
+              <a:rPr lang="en-US" altLang="ko-KR" dirty="0"/>
+              <a:t>, ,..</a:t>
+            </a:r>
+          </a:p>
+          <a:p>
+            <a:r>
+              <a:rPr lang="ko-KR" altLang="en-US" dirty="0"/>
+              <a:t>거기에 해당하는 </a:t>
+            </a:r>
+            <a:r>
+              <a:rPr lang="ko-KR" altLang="en-US" dirty="0" err="1"/>
+              <a:t>텍셀의</a:t>
+            </a:r>
+            <a:r>
+              <a:rPr lang="ko-KR" altLang="en-US" dirty="0"/>
+              <a:t> 값들을 저장하기 위한 형태로 </a:t>
+            </a:r>
+            <a:r>
+              <a:rPr lang="ko-KR" altLang="en-US" dirty="0" err="1"/>
+              <a:t>메스크들을</a:t>
+            </a:r>
+            <a:r>
+              <a:rPr lang="ko-KR" altLang="en-US" dirty="0"/>
+              <a:t> 저장을 하려고 한다</a:t>
+            </a:r>
+            <a:r>
+              <a:rPr lang="en-US" altLang="ko-KR" dirty="0"/>
+              <a:t>.</a:t>
+            </a:r>
+          </a:p>
+          <a:p>
+            <a:r>
+              <a:rPr lang="ko-KR" altLang="en-US" dirty="0" err="1"/>
+              <a:t>그룹스레드를</a:t>
+            </a:r>
+            <a:r>
+              <a:rPr lang="ko-KR" altLang="en-US" dirty="0"/>
+              <a:t> </a:t>
+            </a:r>
+            <a:r>
+              <a:rPr lang="en-US" altLang="ko-KR" dirty="0"/>
+              <a:t>5</a:t>
+            </a:r>
+            <a:r>
+              <a:rPr lang="ko-KR" altLang="en-US" dirty="0"/>
+              <a:t>보다 </a:t>
+            </a:r>
+            <a:r>
+              <a:rPr lang="ko-KR" altLang="en-US" dirty="0" err="1"/>
+              <a:t>작다라고</a:t>
+            </a:r>
+            <a:r>
+              <a:rPr lang="ko-KR" altLang="en-US" dirty="0"/>
+              <a:t> 한다면</a:t>
+            </a:r>
+            <a:endParaRPr lang="en-US" altLang="ko-KR" dirty="0"/>
+          </a:p>
+          <a:p>
+            <a:r>
+              <a:rPr lang="en-US" altLang="ko-KR" dirty="0"/>
+              <a:t>256</a:t>
+            </a:r>
+            <a:r>
+              <a:rPr lang="ko-KR" altLang="en-US" dirty="0"/>
+              <a:t>개의 </a:t>
+            </a:r>
+            <a:r>
+              <a:rPr lang="ko-KR" altLang="en-US" dirty="0" err="1"/>
+              <a:t>텍셀의</a:t>
+            </a:r>
+            <a:r>
+              <a:rPr lang="ko-KR" altLang="en-US" dirty="0"/>
+              <a:t> 값과</a:t>
+            </a:r>
+            <a:endParaRPr lang="en-US" altLang="ko-KR" dirty="0"/>
+          </a:p>
+        </p:txBody>
+      </p:sp>
+      <p:sp>
+        <p:nvSpPr>
+          <p:cNvPr id="4" name="슬라이드 번호 개체 틀 3"/>
+          <p:cNvSpPr>
+            <a:spLocks noGrp="1"/>
+          </p:cNvSpPr>
+          <p:nvPr>
+            <p:ph type="sldNum" sz="quarter" idx="5"/>
+          </p:nvPr>
+        </p:nvSpPr>
+        <p:spPr/>
+        <p:txBody>
+          <a:bodyPr/>
+          <a:lstStyle/>
+          <a:p>
+            <a:fld id="{008AFCE0-AC34-42DC-9FD9-81A6F846D1AC}" type="slidenum">
+              <a:rPr lang="ko-KR" altLang="en-US" smtClean="0"/>
+              <a:t>7</a:t>
+            </a:fld>
+            <a:endParaRPr lang="ko-KR" altLang="en-US"/>
+          </a:p>
+        </p:txBody>
+      </p:sp>
+    </p:spTree>
+    <p:extLst>
+      <p:ext uri="{BB962C8B-B14F-4D97-AF65-F5344CB8AC3E}">
+        <p14:creationId xmlns:p14="http://schemas.microsoft.com/office/powerpoint/2010/main" val="852006364"/>
+      </p:ext>
+    </p:extLst>
+  </p:cSld>
+  <p:clrMapOvr>
+    <a:masterClrMapping/>
+  </p:clrMapOvr>
+</p:notes>
+</file>
+
+<file path=ppt/notesSlides/notesSlide6.xml><?xml version="1.0" encoding="utf-8"?>
+<p:notes xmlns:a="http://schemas.openxmlformats.org/drawingml/2006/main" xmlns:r="http://schemas.openxmlformats.org/officeDocument/2006/relationships" xmlns:p="http://schemas.openxmlformats.org/presentationml/2006/main">
+  <p:cSld>
+    <p:spTree>
+      <p:nvGrpSpPr>
+        <p:cNvPr id="1" name=""/>
+        <p:cNvGrpSpPr/>
+        <p:nvPr/>
+      </p:nvGrpSpPr>
+      <p:grpSpPr>
+        <a:xfrm>
+          <a:off x="0" y="0"/>
+          <a:ext cx="0" cy="0"/>
+          <a:chOff x="0" y="0"/>
+          <a:chExt cx="0" cy="0"/>
+        </a:xfrm>
+      </p:grpSpPr>
+      <p:sp>
+        <p:nvSpPr>
+          <p:cNvPr id="2" name="슬라이드 이미지 개체 틀 1"/>
+          <p:cNvSpPr>
+            <a:spLocks noGrp="1" noRot="1" noChangeAspect="1"/>
+          </p:cNvSpPr>
+          <p:nvPr>
+            <p:ph type="sldImg"/>
+          </p:nvPr>
+        </p:nvSpPr>
+        <p:spPr/>
+      </p:sp>
+      <p:sp>
+        <p:nvSpPr>
+          <p:cNvPr id="3" name="슬라이드 노트 개체 틀 2"/>
+          <p:cNvSpPr>
+            <a:spLocks noGrp="1"/>
+          </p:cNvSpPr>
+          <p:nvPr>
+            <p:ph type="body" idx="1"/>
+          </p:nvPr>
+        </p:nvSpPr>
+        <p:spPr/>
+        <p:txBody>
+          <a:bodyPr/>
+          <a:lstStyle/>
+          <a:p>
+            <a:r>
+              <a:rPr lang="ko-KR" altLang="en-US" dirty="0"/>
+              <a:t>이건 </a:t>
+            </a:r>
+            <a:r>
+              <a:rPr lang="ko-KR" altLang="en-US" dirty="0" err="1"/>
+              <a:t>버텍스네</a:t>
+            </a:r>
+            <a:endParaRPr lang="ko-KR" altLang="en-US" dirty="0"/>
+          </a:p>
+        </p:txBody>
+      </p:sp>
+      <p:sp>
+        <p:nvSpPr>
+          <p:cNvPr id="4" name="슬라이드 번호 개체 틀 3"/>
+          <p:cNvSpPr>
+            <a:spLocks noGrp="1"/>
+          </p:cNvSpPr>
+          <p:nvPr>
+            <p:ph type="sldNum" sz="quarter" idx="5"/>
+          </p:nvPr>
+        </p:nvSpPr>
+        <p:spPr/>
+        <p:txBody>
+          <a:bodyPr/>
+          <a:lstStyle/>
+          <a:p>
+            <a:fld id="{008AFCE0-AC34-42DC-9FD9-81A6F846D1AC}" type="slidenum">
+              <a:rPr lang="ko-KR" altLang="en-US" smtClean="0"/>
+              <a:t>8</a:t>
+            </a:fld>
+            <a:endParaRPr lang="ko-KR" altLang="en-US"/>
+          </a:p>
+        </p:txBody>
+      </p:sp>
+    </p:spTree>
+    <p:extLst>
+      <p:ext uri="{BB962C8B-B14F-4D97-AF65-F5344CB8AC3E}">
+        <p14:creationId xmlns:p14="http://schemas.microsoft.com/office/powerpoint/2010/main" val="4074481882"/>
+      </p:ext>
+    </p:extLst>
+  </p:cSld>
+  <p:clrMapOvr>
+    <a:masterClrMapping/>
+  </p:clrMapOvr>
+</p:notes>
+</file>
+
+<file path=ppt/notesSlides/notesSlide7.xml><?xml version="1.0" encoding="utf-8"?>
+<p:notes xmlns:a="http://schemas.openxmlformats.org/drawingml/2006/main" xmlns:r="http://schemas.openxmlformats.org/officeDocument/2006/relationships" xmlns:p="http://schemas.openxmlformats.org/presentationml/2006/main">
+  <p:cSld>
+    <p:spTree>
+      <p:nvGrpSpPr>
+        <p:cNvPr id="1" name=""/>
+        <p:cNvGrpSpPr/>
+        <p:nvPr/>
+      </p:nvGrpSpPr>
+      <p:grpSpPr>
+        <a:xfrm>
+          <a:off x="0" y="0"/>
+          <a:ext cx="0" cy="0"/>
+          <a:chOff x="0" y="0"/>
+          <a:chExt cx="0" cy="0"/>
+        </a:xfrm>
+      </p:grpSpPr>
+      <p:sp>
+        <p:nvSpPr>
+          <p:cNvPr id="2" name="슬라이드 이미지 개체 틀 1"/>
+          <p:cNvSpPr>
+            <a:spLocks noGrp="1" noRot="1" noChangeAspect="1"/>
+          </p:cNvSpPr>
+          <p:nvPr>
+            <p:ph type="sldImg"/>
+          </p:nvPr>
+        </p:nvSpPr>
+        <p:spPr/>
+      </p:sp>
+      <p:sp>
+        <p:nvSpPr>
+          <p:cNvPr id="3" name="슬라이드 노트 개체 틀 2"/>
+          <p:cNvSpPr>
+            <a:spLocks noGrp="1"/>
+          </p:cNvSpPr>
+          <p:nvPr>
+            <p:ph type="body" idx="1"/>
+          </p:nvPr>
+        </p:nvSpPr>
+        <p:spPr/>
+        <p:txBody>
+          <a:bodyPr/>
+          <a:lstStyle/>
+          <a:p>
+            <a:r>
+              <a:rPr lang="ko-KR" altLang="en-US" dirty="0"/>
+              <a:t>리소스는 </a:t>
+            </a:r>
+            <a:r>
+              <a:rPr lang="ko-KR" altLang="en-US" dirty="0" err="1"/>
+              <a:t>하난데</a:t>
+            </a:r>
+            <a:r>
+              <a:rPr lang="en-US" altLang="ko-KR" dirty="0"/>
+              <a:t>, </a:t>
+            </a:r>
+            <a:r>
+              <a:rPr lang="ko-KR" altLang="en-US" dirty="0" err="1"/>
+              <a:t>쉐이더에</a:t>
+            </a:r>
+            <a:r>
+              <a:rPr lang="ko-KR" altLang="en-US" dirty="0"/>
+              <a:t> 연결할 때 </a:t>
+            </a:r>
+            <a:r>
+              <a:rPr lang="ko-KR" altLang="en-US" dirty="0" err="1"/>
+              <a:t>읽</a:t>
+            </a:r>
+            <a:r>
+              <a:rPr lang="en-US" altLang="ko-KR" dirty="0"/>
+              <a:t>?</a:t>
+            </a:r>
+            <a:r>
+              <a:rPr lang="ko-KR" altLang="en-US" dirty="0" err="1"/>
+              <a:t>쓰</a:t>
+            </a:r>
+            <a:r>
+              <a:rPr lang="en-US" altLang="ko-KR" dirty="0"/>
+              <a:t>?</a:t>
+            </a:r>
+            <a:r>
+              <a:rPr lang="ko-KR" altLang="en-US" dirty="0" err="1"/>
+              <a:t>는건</a:t>
+            </a:r>
+            <a:r>
+              <a:rPr lang="ko-KR" altLang="en-US" dirty="0"/>
+              <a:t> </a:t>
+            </a:r>
+            <a:r>
+              <a:rPr lang="ko-KR" altLang="en-US" dirty="0" err="1"/>
+              <a:t>디스크립터</a:t>
+            </a:r>
+            <a:r>
+              <a:rPr lang="ko-KR" altLang="en-US" dirty="0"/>
+              <a:t> 뷰로 결정이 된다</a:t>
+            </a:r>
+            <a:r>
+              <a:rPr lang="en-US" altLang="ko-KR" dirty="0"/>
+              <a:t>.</a:t>
+            </a:r>
+          </a:p>
+          <a:p>
+            <a:r>
+              <a:rPr lang="ko-KR" altLang="en-US" dirty="0"/>
+              <a:t>버퍼를 하나 만들어 놓고 </a:t>
+            </a:r>
+            <a:r>
+              <a:rPr lang="ko-KR" altLang="en-US" dirty="0" err="1"/>
+              <a:t>렌더타겟에</a:t>
+            </a:r>
+            <a:r>
+              <a:rPr lang="ko-KR" altLang="en-US" dirty="0"/>
+              <a:t> 연결한다면 </a:t>
+            </a:r>
+            <a:r>
+              <a:rPr lang="ko-KR" altLang="en-US" dirty="0" err="1"/>
+              <a:t>렌더타겟뷰를</a:t>
+            </a:r>
+            <a:r>
+              <a:rPr lang="ko-KR" altLang="en-US" dirty="0"/>
+              <a:t> 만들어서 연결하면 된다</a:t>
+            </a:r>
+            <a:r>
+              <a:rPr lang="en-US" altLang="ko-KR" dirty="0"/>
+              <a:t>.</a:t>
+            </a:r>
+          </a:p>
+          <a:p>
+            <a:endParaRPr lang="ko-KR" altLang="en-US" dirty="0"/>
+          </a:p>
+        </p:txBody>
+      </p:sp>
+      <p:sp>
+        <p:nvSpPr>
+          <p:cNvPr id="4" name="슬라이드 번호 개체 틀 3"/>
+          <p:cNvSpPr>
+            <a:spLocks noGrp="1"/>
+          </p:cNvSpPr>
+          <p:nvPr>
+            <p:ph type="sldNum" sz="quarter" idx="5"/>
+          </p:nvPr>
+        </p:nvSpPr>
+        <p:spPr/>
+        <p:txBody>
+          <a:bodyPr/>
+          <a:lstStyle/>
+          <a:p>
+            <a:fld id="{008AFCE0-AC34-42DC-9FD9-81A6F846D1AC}" type="slidenum">
+              <a:rPr lang="ko-KR" altLang="en-US" smtClean="0"/>
+              <a:t>9</a:t>
+            </a:fld>
+            <a:endParaRPr lang="ko-KR" altLang="en-US"/>
+          </a:p>
+        </p:txBody>
+      </p:sp>
+    </p:spTree>
+    <p:extLst>
+      <p:ext uri="{BB962C8B-B14F-4D97-AF65-F5344CB8AC3E}">
+        <p14:creationId xmlns:p14="http://schemas.microsoft.com/office/powerpoint/2010/main" val="1660801970"/>
+      </p:ext>
+    </p:extLst>
+  </p:cSld>
+  <p:clrMapOvr>
+    <a:masterClrMapping/>
+  </p:clrMapOvr>
+</p:notes>
+</file>
+
+<file path=ppt/notesSlides/notesSlide8.xml><?xml version="1.0" encoding="utf-8"?>
+<p:notes xmlns:a="http://schemas.openxmlformats.org/drawingml/2006/main" xmlns:r="http://schemas.openxmlformats.org/officeDocument/2006/relationships" xmlns:p="http://schemas.openxmlformats.org/presentationml/2006/main">
+  <p:cSld>
+    <p:spTree>
+      <p:nvGrpSpPr>
+        <p:cNvPr id="1" name=""/>
+        <p:cNvGrpSpPr/>
+        <p:nvPr/>
+      </p:nvGrpSpPr>
+      <p:grpSpPr>
+        <a:xfrm>
+          <a:off x="0" y="0"/>
+          <a:ext cx="0" cy="0"/>
+          <a:chOff x="0" y="0"/>
+          <a:chExt cx="0" cy="0"/>
+        </a:xfrm>
+      </p:grpSpPr>
+      <p:sp>
+        <p:nvSpPr>
+          <p:cNvPr id="2" name="슬라이드 이미지 개체 틀 1"/>
+          <p:cNvSpPr>
+            <a:spLocks noGrp="1" noRot="1" noChangeAspect="1"/>
+          </p:cNvSpPr>
+          <p:nvPr>
+            <p:ph type="sldImg"/>
+          </p:nvPr>
+        </p:nvSpPr>
+        <p:spPr/>
+      </p:sp>
+      <p:sp>
+        <p:nvSpPr>
+          <p:cNvPr id="3" name="슬라이드 노트 개체 틀 2"/>
+          <p:cNvSpPr>
+            <a:spLocks noGrp="1"/>
+          </p:cNvSpPr>
+          <p:nvPr>
+            <p:ph type="body" idx="1"/>
+          </p:nvPr>
+        </p:nvSpPr>
+        <p:spPr/>
+        <p:txBody>
+          <a:bodyPr/>
+          <a:lstStyle/>
+          <a:p>
+            <a:r>
+              <a:rPr lang="ko-KR" altLang="en-US" dirty="0"/>
+              <a:t>하고 있음</a:t>
+            </a:r>
+          </a:p>
+        </p:txBody>
+      </p:sp>
+      <p:sp>
+        <p:nvSpPr>
+          <p:cNvPr id="4" name="슬라이드 번호 개체 틀 3"/>
+          <p:cNvSpPr>
+            <a:spLocks noGrp="1"/>
+          </p:cNvSpPr>
+          <p:nvPr>
+            <p:ph type="sldNum" sz="quarter" idx="5"/>
+          </p:nvPr>
+        </p:nvSpPr>
+        <p:spPr/>
+        <p:txBody>
+          <a:bodyPr/>
+          <a:lstStyle/>
+          <a:p>
+            <a:fld id="{008AFCE0-AC34-42DC-9FD9-81A6F846D1AC}" type="slidenum">
+              <a:rPr lang="ko-KR" altLang="en-US" smtClean="0"/>
+              <a:t>11</a:t>
+            </a:fld>
+            <a:endParaRPr lang="ko-KR" altLang="en-US"/>
+          </a:p>
+        </p:txBody>
+      </p:sp>
+    </p:spTree>
+    <p:extLst>
+      <p:ext uri="{BB962C8B-B14F-4D97-AF65-F5344CB8AC3E}">
+        <p14:creationId xmlns:p14="http://schemas.microsoft.com/office/powerpoint/2010/main" val="658116687"/>
       </p:ext>
     </p:extLst>
   </p:cSld>
@@ -997,7 +1773,7 @@
           <a:p>
             <a:fld id="{30C48D1B-E1E9-4BEB-BAE6-814698466AC5}" type="datetimeFigureOut">
               <a:rPr lang="ko-KR" altLang="en-US" smtClean="0"/>
-              <a:t>2024-11-19</a:t>
+              <a:t>2024-11-25</a:t>
             </a:fld>
             <a:endParaRPr lang="ko-KR" altLang="en-US"/>
           </a:p>
@@ -1208,7 +1984,7 @@
           <a:p>
             <a:fld id="{30C48D1B-E1E9-4BEB-BAE6-814698466AC5}" type="datetimeFigureOut">
               <a:rPr lang="ko-KR" altLang="en-US" smtClean="0"/>
-              <a:t>2024-11-19</a:t>
+              <a:t>2024-11-25</a:t>
             </a:fld>
             <a:endParaRPr lang="ko-KR" altLang="en-US"/>
           </a:p>
@@ -1820,7 +2596,7 @@
           <p:nvPr/>
         </p:nvPicPr>
         <p:blipFill>
-          <a:blip r:embed="rId2"/>
+          <a:blip r:embed="rId3"/>
           <a:stretch>
             <a:fillRect/>
           </a:stretch>
@@ -2330,7 +3106,7 @@
           <p:nvPr/>
         </p:nvPicPr>
         <p:blipFill>
-          <a:blip r:embed="rId2"/>
+          <a:blip r:embed="rId3"/>
           <a:stretch>
             <a:fillRect/>
           </a:stretch>
@@ -2415,7 +3191,7 @@
           <p:nvPr/>
         </p:nvPicPr>
         <p:blipFill>
-          <a:blip r:embed="rId2"/>
+          <a:blip r:embed="rId3"/>
           <a:stretch>
             <a:fillRect/>
           </a:stretch>
@@ -2500,7 +3276,7 @@
           <p:nvPr/>
         </p:nvPicPr>
         <p:blipFill>
-          <a:blip r:embed="rId2"/>
+          <a:blip r:embed="rId3"/>
           <a:stretch>
             <a:fillRect/>
           </a:stretch>
